--- a/Hackathon/Mayo_Clinic_App.pptx
+++ b/Hackathon/Mayo_Clinic_App.pptx
@@ -4,6 +4,9 @@
   <p:sldMasterIdLst>
     <p:sldMasterId id="2147483701" r:id="rId1"/>
   </p:sldMasterIdLst>
+  <p:notesMasterIdLst>
+    <p:notesMasterId r:id="rId7"/>
+  </p:notesMasterIdLst>
   <p:sldIdLst>
     <p:sldId id="256" r:id="rId2"/>
     <p:sldId id="257" r:id="rId3"/>
@@ -116,6 +119,434 @@
 </p:presentation>
 </file>
 
+<file path=ppt/notesMasters/notesMaster1.xml><?xml version="1.0" encoding="utf-8"?>
+<p:notesMaster xmlns:a="http://schemas.openxmlformats.org/drawingml/2006/main" xmlns:r="http://schemas.openxmlformats.org/officeDocument/2006/relationships" xmlns:p="http://schemas.openxmlformats.org/presentationml/2006/main">
+  <p:cSld>
+    <p:bg>
+      <p:bgRef idx="1001">
+        <a:schemeClr val="bg1"/>
+      </p:bgRef>
+    </p:bg>
+    <p:spTree>
+      <p:nvGrpSpPr>
+        <p:cNvPr id="1" name=""/>
+        <p:cNvGrpSpPr/>
+        <p:nvPr/>
+      </p:nvGrpSpPr>
+      <p:grpSpPr>
+        <a:xfrm>
+          <a:off x="0" y="0"/>
+          <a:ext cx="0" cy="0"/>
+          <a:chOff x="0" y="0"/>
+          <a:chExt cx="0" cy="0"/>
+        </a:xfrm>
+      </p:grpSpPr>
+      <p:sp>
+        <p:nvSpPr>
+          <p:cNvPr id="2" name="Header Placeholder 1"/>
+          <p:cNvSpPr>
+            <a:spLocks noGrp="1"/>
+          </p:cNvSpPr>
+          <p:nvPr>
+            <p:ph type="hdr" sz="quarter"/>
+          </p:nvPr>
+        </p:nvSpPr>
+        <p:spPr>
+          <a:xfrm>
+            <a:off x="0" y="0"/>
+            <a:ext cx="2971800" cy="457200"/>
+          </a:xfrm>
+          <a:prstGeom prst="rect">
+            <a:avLst/>
+          </a:prstGeom>
+        </p:spPr>
+        <p:txBody>
+          <a:bodyPr vert="horz" lIns="91440" tIns="45720" rIns="91440" bIns="45720" rtlCol="0"/>
+          <a:lstStyle>
+            <a:lvl1pPr algn="l">
+              <a:defRPr sz="1200"/>
+            </a:lvl1pPr>
+          </a:lstStyle>
+          <a:p>
+            <a:endParaRPr lang="en-US"/>
+          </a:p>
+        </p:txBody>
+      </p:sp>
+      <p:sp>
+        <p:nvSpPr>
+          <p:cNvPr id="3" name="Date Placeholder 2"/>
+          <p:cNvSpPr>
+            <a:spLocks noGrp="1"/>
+          </p:cNvSpPr>
+          <p:nvPr>
+            <p:ph type="dt" idx="1"/>
+          </p:nvPr>
+        </p:nvSpPr>
+        <p:spPr>
+          <a:xfrm>
+            <a:off x="3884613" y="0"/>
+            <a:ext cx="2971800" cy="457200"/>
+          </a:xfrm>
+          <a:prstGeom prst="rect">
+            <a:avLst/>
+          </a:prstGeom>
+        </p:spPr>
+        <p:txBody>
+          <a:bodyPr vert="horz" lIns="91440" tIns="45720" rIns="91440" bIns="45720" rtlCol="0"/>
+          <a:lstStyle>
+            <a:lvl1pPr algn="r">
+              <a:defRPr sz="1200"/>
+            </a:lvl1pPr>
+          </a:lstStyle>
+          <a:p>
+            <a:fld id="{DD25457C-A25F-46F1-9390-AF96098E2DEF}" type="datetimeFigureOut">
+              <a:rPr lang="en-US" smtClean="0"/>
+              <a:t>4/17/2017</a:t>
+            </a:fld>
+            <a:endParaRPr lang="en-US"/>
+          </a:p>
+        </p:txBody>
+      </p:sp>
+      <p:sp>
+        <p:nvSpPr>
+          <p:cNvPr id="4" name="Slide Image Placeholder 3"/>
+          <p:cNvSpPr>
+            <a:spLocks noGrp="1" noRot="1" noChangeAspect="1"/>
+          </p:cNvSpPr>
+          <p:nvPr>
+            <p:ph type="sldImg" idx="2"/>
+          </p:nvPr>
+        </p:nvSpPr>
+        <p:spPr>
+          <a:xfrm>
+            <a:off x="381000" y="685800"/>
+            <a:ext cx="6096000" cy="3429000"/>
+          </a:xfrm>
+          <a:prstGeom prst="rect">
+            <a:avLst/>
+          </a:prstGeom>
+          <a:noFill/>
+          <a:ln w="12700">
+            <a:solidFill>
+              <a:prstClr val="black"/>
+            </a:solidFill>
+          </a:ln>
+        </p:spPr>
+        <p:txBody>
+          <a:bodyPr vert="horz" lIns="91440" tIns="45720" rIns="91440" bIns="45720" rtlCol="0" anchor="ctr"/>
+          <a:lstStyle/>
+          <a:p>
+            <a:endParaRPr lang="en-US"/>
+          </a:p>
+        </p:txBody>
+      </p:sp>
+      <p:sp>
+        <p:nvSpPr>
+          <p:cNvPr id="5" name="Notes Placeholder 4"/>
+          <p:cNvSpPr>
+            <a:spLocks noGrp="1"/>
+          </p:cNvSpPr>
+          <p:nvPr>
+            <p:ph type="body" sz="quarter" idx="3"/>
+          </p:nvPr>
+        </p:nvSpPr>
+        <p:spPr>
+          <a:xfrm>
+            <a:off x="685800" y="4343400"/>
+            <a:ext cx="5486400" cy="4114800"/>
+          </a:xfrm>
+          <a:prstGeom prst="rect">
+            <a:avLst/>
+          </a:prstGeom>
+        </p:spPr>
+        <p:txBody>
+          <a:bodyPr vert="horz" lIns="91440" tIns="45720" rIns="91440" bIns="45720" rtlCol="0">
+            <a:normAutofit/>
+          </a:bodyPr>
+          <a:lstStyle/>
+          <a:p>
+            <a:pPr lvl="0"/>
+            <a:r>
+              <a:rPr lang="en-US" smtClean="0"/>
+              <a:t>Click to edit Master text styles</a:t>
+            </a:r>
+          </a:p>
+          <a:p>
+            <a:pPr lvl="1"/>
+            <a:r>
+              <a:rPr lang="en-US" smtClean="0"/>
+              <a:t>Second level</a:t>
+            </a:r>
+          </a:p>
+          <a:p>
+            <a:pPr lvl="2"/>
+            <a:r>
+              <a:rPr lang="en-US" smtClean="0"/>
+              <a:t>Third level</a:t>
+            </a:r>
+          </a:p>
+          <a:p>
+            <a:pPr lvl="3"/>
+            <a:r>
+              <a:rPr lang="en-US" smtClean="0"/>
+              <a:t>Fourth level</a:t>
+            </a:r>
+          </a:p>
+          <a:p>
+            <a:pPr lvl="4"/>
+            <a:r>
+              <a:rPr lang="en-US" smtClean="0"/>
+              <a:t>Fifth level</a:t>
+            </a:r>
+            <a:endParaRPr lang="en-US"/>
+          </a:p>
+        </p:txBody>
+      </p:sp>
+      <p:sp>
+        <p:nvSpPr>
+          <p:cNvPr id="6" name="Footer Placeholder 5"/>
+          <p:cNvSpPr>
+            <a:spLocks noGrp="1"/>
+          </p:cNvSpPr>
+          <p:nvPr>
+            <p:ph type="ftr" sz="quarter" idx="4"/>
+          </p:nvPr>
+        </p:nvSpPr>
+        <p:spPr>
+          <a:xfrm>
+            <a:off x="0" y="8685213"/>
+            <a:ext cx="2971800" cy="457200"/>
+          </a:xfrm>
+          <a:prstGeom prst="rect">
+            <a:avLst/>
+          </a:prstGeom>
+        </p:spPr>
+        <p:txBody>
+          <a:bodyPr vert="horz" lIns="91440" tIns="45720" rIns="91440" bIns="45720" rtlCol="0" anchor="b"/>
+          <a:lstStyle>
+            <a:lvl1pPr algn="l">
+              <a:defRPr sz="1200"/>
+            </a:lvl1pPr>
+          </a:lstStyle>
+          <a:p>
+            <a:endParaRPr lang="en-US"/>
+          </a:p>
+        </p:txBody>
+      </p:sp>
+      <p:sp>
+        <p:nvSpPr>
+          <p:cNvPr id="7" name="Slide Number Placeholder 6"/>
+          <p:cNvSpPr>
+            <a:spLocks noGrp="1"/>
+          </p:cNvSpPr>
+          <p:nvPr>
+            <p:ph type="sldNum" sz="quarter" idx="5"/>
+          </p:nvPr>
+        </p:nvSpPr>
+        <p:spPr>
+          <a:xfrm>
+            <a:off x="3884613" y="8685213"/>
+            <a:ext cx="2971800" cy="457200"/>
+          </a:xfrm>
+          <a:prstGeom prst="rect">
+            <a:avLst/>
+          </a:prstGeom>
+        </p:spPr>
+        <p:txBody>
+          <a:bodyPr vert="horz" lIns="91440" tIns="45720" rIns="91440" bIns="45720" rtlCol="0" anchor="b"/>
+          <a:lstStyle>
+            <a:lvl1pPr algn="r">
+              <a:defRPr sz="1200"/>
+            </a:lvl1pPr>
+          </a:lstStyle>
+          <a:p>
+            <a:fld id="{E8013DF1-4ECC-4BFC-A8AA-03BBC25E4B93}" type="slidenum">
+              <a:rPr lang="en-US" smtClean="0"/>
+              <a:t>‹#›</a:t>
+            </a:fld>
+            <a:endParaRPr lang="en-US"/>
+          </a:p>
+        </p:txBody>
+      </p:sp>
+    </p:spTree>
+  </p:cSld>
+  <p:clrMap bg1="lt1" tx1="dk1" bg2="lt2" tx2="dk2" accent1="accent1" accent2="accent2" accent3="accent3" accent4="accent4" accent5="accent5" accent6="accent6" hlink="hlink" folHlink="folHlink"/>
+  <p:notesStyle>
+    <a:lvl1pPr marL="0" algn="l" defTabSz="914400" rtl="0" eaLnBrk="1" latinLnBrk="0" hangingPunct="1">
+      <a:defRPr sz="1200" kern="1200">
+        <a:solidFill>
+          <a:schemeClr val="tx1"/>
+        </a:solidFill>
+        <a:latin typeface="+mn-lt"/>
+        <a:ea typeface="+mn-ea"/>
+        <a:cs typeface="+mn-cs"/>
+      </a:defRPr>
+    </a:lvl1pPr>
+    <a:lvl2pPr marL="457200" algn="l" defTabSz="914400" rtl="0" eaLnBrk="1" latinLnBrk="0" hangingPunct="1">
+      <a:defRPr sz="1200" kern="1200">
+        <a:solidFill>
+          <a:schemeClr val="tx1"/>
+        </a:solidFill>
+        <a:latin typeface="+mn-lt"/>
+        <a:ea typeface="+mn-ea"/>
+        <a:cs typeface="+mn-cs"/>
+      </a:defRPr>
+    </a:lvl2pPr>
+    <a:lvl3pPr marL="914400" algn="l" defTabSz="914400" rtl="0" eaLnBrk="1" latinLnBrk="0" hangingPunct="1">
+      <a:defRPr sz="1200" kern="1200">
+        <a:solidFill>
+          <a:schemeClr val="tx1"/>
+        </a:solidFill>
+        <a:latin typeface="+mn-lt"/>
+        <a:ea typeface="+mn-ea"/>
+        <a:cs typeface="+mn-cs"/>
+      </a:defRPr>
+    </a:lvl3pPr>
+    <a:lvl4pPr marL="1371600" algn="l" defTabSz="914400" rtl="0" eaLnBrk="1" latinLnBrk="0" hangingPunct="1">
+      <a:defRPr sz="1200" kern="1200">
+        <a:solidFill>
+          <a:schemeClr val="tx1"/>
+        </a:solidFill>
+        <a:latin typeface="+mn-lt"/>
+        <a:ea typeface="+mn-ea"/>
+        <a:cs typeface="+mn-cs"/>
+      </a:defRPr>
+    </a:lvl4pPr>
+    <a:lvl5pPr marL="1828800" algn="l" defTabSz="914400" rtl="0" eaLnBrk="1" latinLnBrk="0" hangingPunct="1">
+      <a:defRPr sz="1200" kern="1200">
+        <a:solidFill>
+          <a:schemeClr val="tx1"/>
+        </a:solidFill>
+        <a:latin typeface="+mn-lt"/>
+        <a:ea typeface="+mn-ea"/>
+        <a:cs typeface="+mn-cs"/>
+      </a:defRPr>
+    </a:lvl5pPr>
+    <a:lvl6pPr marL="2286000" algn="l" defTabSz="914400" rtl="0" eaLnBrk="1" latinLnBrk="0" hangingPunct="1">
+      <a:defRPr sz="1200" kern="1200">
+        <a:solidFill>
+          <a:schemeClr val="tx1"/>
+        </a:solidFill>
+        <a:latin typeface="+mn-lt"/>
+        <a:ea typeface="+mn-ea"/>
+        <a:cs typeface="+mn-cs"/>
+      </a:defRPr>
+    </a:lvl6pPr>
+    <a:lvl7pPr marL="2743200" algn="l" defTabSz="914400" rtl="0" eaLnBrk="1" latinLnBrk="0" hangingPunct="1">
+      <a:defRPr sz="1200" kern="1200">
+        <a:solidFill>
+          <a:schemeClr val="tx1"/>
+        </a:solidFill>
+        <a:latin typeface="+mn-lt"/>
+        <a:ea typeface="+mn-ea"/>
+        <a:cs typeface="+mn-cs"/>
+      </a:defRPr>
+    </a:lvl7pPr>
+    <a:lvl8pPr marL="3200400" algn="l" defTabSz="914400" rtl="0" eaLnBrk="1" latinLnBrk="0" hangingPunct="1">
+      <a:defRPr sz="1200" kern="1200">
+        <a:solidFill>
+          <a:schemeClr val="tx1"/>
+        </a:solidFill>
+        <a:latin typeface="+mn-lt"/>
+        <a:ea typeface="+mn-ea"/>
+        <a:cs typeface="+mn-cs"/>
+      </a:defRPr>
+    </a:lvl8pPr>
+    <a:lvl9pPr marL="3657600" algn="l" defTabSz="914400" rtl="0" eaLnBrk="1" latinLnBrk="0" hangingPunct="1">
+      <a:defRPr sz="1200" kern="1200">
+        <a:solidFill>
+          <a:schemeClr val="tx1"/>
+        </a:solidFill>
+        <a:latin typeface="+mn-lt"/>
+        <a:ea typeface="+mn-ea"/>
+        <a:cs typeface="+mn-cs"/>
+      </a:defRPr>
+    </a:lvl9pPr>
+  </p:notesStyle>
+</p:notesMaster>
+</file>
+
+<file path=ppt/notesSlides/notesSlide1.xml><?xml version="1.0" encoding="utf-8"?>
+<p:notes xmlns:a="http://schemas.openxmlformats.org/drawingml/2006/main" xmlns:r="http://schemas.openxmlformats.org/officeDocument/2006/relationships" xmlns:p="http://schemas.openxmlformats.org/presentationml/2006/main">
+  <p:cSld>
+    <p:spTree>
+      <p:nvGrpSpPr>
+        <p:cNvPr id="1" name=""/>
+        <p:cNvGrpSpPr/>
+        <p:nvPr/>
+      </p:nvGrpSpPr>
+      <p:grpSpPr>
+        <a:xfrm>
+          <a:off x="0" y="0"/>
+          <a:ext cx="0" cy="0"/>
+          <a:chOff x="0" y="0"/>
+          <a:chExt cx="0" cy="0"/>
+        </a:xfrm>
+      </p:grpSpPr>
+      <p:sp>
+        <p:nvSpPr>
+          <p:cNvPr id="2" name="Slide Image Placeholder 1"/>
+          <p:cNvSpPr>
+            <a:spLocks noGrp="1" noRot="1" noChangeAspect="1"/>
+          </p:cNvSpPr>
+          <p:nvPr>
+            <p:ph type="sldImg"/>
+          </p:nvPr>
+        </p:nvSpPr>
+        <p:spPr/>
+      </p:sp>
+      <p:sp>
+        <p:nvSpPr>
+          <p:cNvPr id="3" name="Notes Placeholder 2"/>
+          <p:cNvSpPr>
+            <a:spLocks noGrp="1"/>
+          </p:cNvSpPr>
+          <p:nvPr>
+            <p:ph type="body" idx="1"/>
+          </p:nvPr>
+        </p:nvSpPr>
+        <p:spPr/>
+        <p:txBody>
+          <a:bodyPr>
+            <a:normAutofit/>
+          </a:bodyPr>
+          <a:lstStyle/>
+          <a:p>
+            <a:endParaRPr lang="en-US" dirty="0"/>
+          </a:p>
+        </p:txBody>
+      </p:sp>
+      <p:sp>
+        <p:nvSpPr>
+          <p:cNvPr id="4" name="Slide Number Placeholder 3"/>
+          <p:cNvSpPr>
+            <a:spLocks noGrp="1"/>
+          </p:cNvSpPr>
+          <p:nvPr>
+            <p:ph type="sldNum" sz="quarter" idx="10"/>
+          </p:nvPr>
+        </p:nvSpPr>
+        <p:spPr/>
+        <p:txBody>
+          <a:bodyPr/>
+          <a:lstStyle/>
+          <a:p>
+            <a:fld id="{E8013DF1-4ECC-4BFC-A8AA-03BBC25E4B93}" type="slidenum">
+              <a:rPr lang="en-US" smtClean="0"/>
+              <a:t>2</a:t>
+            </a:fld>
+            <a:endParaRPr lang="en-US"/>
+          </a:p>
+        </p:txBody>
+      </p:sp>
+    </p:spTree>
+  </p:cSld>
+  <p:clrMapOvr>
+    <a:masterClrMapping/>
+  </p:clrMapOvr>
+</p:notes>
+</file>
+
 <file path=ppt/slideLayouts/slideLayout1.xml><?xml version="1.0" encoding="utf-8"?>
 <p:sldLayout xmlns:a="http://schemas.openxmlformats.org/drawingml/2006/main" xmlns:r="http://schemas.openxmlformats.org/officeDocument/2006/relationships" xmlns:p="http://schemas.openxmlformats.org/presentationml/2006/main" type="title" preserve="1">
   <p:cSld name="Title Slide">
@@ -251,7 +682,7 @@
             <a:fld id="{5A3C4BE3-5304-45A6-9159-18D60C487C8A}" type="datetimeFigureOut">
               <a:rPr lang="en-IN" smtClean="0"/>
               <a:pPr/>
-              <a:t>16-04-2017</a:t>
+              <a:t>17-04-2017</a:t>
             </a:fld>
             <a:endParaRPr lang="en-IN"/>
           </a:p>
@@ -566,7 +997,7 @@
             <a:fld id="{5A3C4BE3-5304-45A6-9159-18D60C487C8A}" type="datetimeFigureOut">
               <a:rPr lang="en-IN" smtClean="0"/>
               <a:pPr/>
-              <a:t>16-04-2017</a:t>
+              <a:t>17-04-2017</a:t>
             </a:fld>
             <a:endParaRPr lang="en-IN"/>
           </a:p>
@@ -753,7 +1184,7 @@
             <a:fld id="{5A3C4BE3-5304-45A6-9159-18D60C487C8A}" type="datetimeFigureOut">
               <a:rPr lang="en-IN" smtClean="0"/>
               <a:pPr/>
-              <a:t>16-04-2017</a:t>
+              <a:t>17-04-2017</a:t>
             </a:fld>
             <a:endParaRPr lang="en-IN"/>
           </a:p>
@@ -930,7 +1361,7 @@
             <a:fld id="{5A3C4BE3-5304-45A6-9159-18D60C487C8A}" type="datetimeFigureOut">
               <a:rPr lang="en-IN" smtClean="0"/>
               <a:pPr/>
-              <a:t>16-04-2017</a:t>
+              <a:t>17-04-2017</a:t>
             </a:fld>
             <a:endParaRPr lang="en-IN"/>
           </a:p>
@@ -1200,7 +1631,7 @@
             <a:fld id="{5A3C4BE3-5304-45A6-9159-18D60C487C8A}" type="datetimeFigureOut">
               <a:rPr lang="en-IN" smtClean="0"/>
               <a:pPr/>
-              <a:t>16-04-2017</a:t>
+              <a:t>17-04-2017</a:t>
             </a:fld>
             <a:endParaRPr lang="en-IN"/>
           </a:p>
@@ -1670,7 +2101,7 @@
             <a:fld id="{5A3C4BE3-5304-45A6-9159-18D60C487C8A}" type="datetimeFigureOut">
               <a:rPr lang="en-IN" smtClean="0"/>
               <a:pPr/>
-              <a:t>16-04-2017</a:t>
+              <a:t>17-04-2017</a:t>
             </a:fld>
             <a:endParaRPr lang="en-IN"/>
           </a:p>
@@ -2161,7 +2592,7 @@
             <a:fld id="{5A3C4BE3-5304-45A6-9159-18D60C487C8A}" type="datetimeFigureOut">
               <a:rPr lang="en-IN" smtClean="0"/>
               <a:pPr/>
-              <a:t>16-04-2017</a:t>
+              <a:t>17-04-2017</a:t>
             </a:fld>
             <a:endParaRPr lang="en-IN"/>
           </a:p>
@@ -2289,7 +2720,7 @@
             <a:fld id="{5A3C4BE3-5304-45A6-9159-18D60C487C8A}" type="datetimeFigureOut">
               <a:rPr lang="en-IN" smtClean="0"/>
               <a:pPr/>
-              <a:t>16-04-2017</a:t>
+              <a:t>17-04-2017</a:t>
             </a:fld>
             <a:endParaRPr lang="en-IN"/>
           </a:p>
@@ -2435,7 +2866,7 @@
             <a:fld id="{5A3C4BE3-5304-45A6-9159-18D60C487C8A}" type="datetimeFigureOut">
               <a:rPr lang="en-IN" smtClean="0"/>
               <a:pPr/>
-              <a:t>16-04-2017</a:t>
+              <a:t>17-04-2017</a:t>
             </a:fld>
             <a:endParaRPr lang="en-IN"/>
           </a:p>
@@ -2759,7 +3190,7 @@
             <a:fld id="{5A3C4BE3-5304-45A6-9159-18D60C487C8A}" type="datetimeFigureOut">
               <a:rPr lang="en-IN" smtClean="0"/>
               <a:pPr/>
-              <a:t>16-04-2017</a:t>
+              <a:t>17-04-2017</a:t>
             </a:fld>
             <a:endParaRPr lang="en-IN"/>
           </a:p>
@@ -2895,7 +3326,7 @@
             <a:fld id="{5A3C4BE3-5304-45A6-9159-18D60C487C8A}" type="datetimeFigureOut">
               <a:rPr lang="en-IN" smtClean="0"/>
               <a:pPr/>
-              <a:t>16-04-2017</a:t>
+              <a:t>17-04-2017</a:t>
             </a:fld>
             <a:endParaRPr lang="en-IN"/>
           </a:p>
@@ -3678,7 +4109,7 @@
             <a:fld id="{5A3C4BE3-5304-45A6-9159-18D60C487C8A}" type="datetimeFigureOut">
               <a:rPr lang="en-IN" smtClean="0"/>
               <a:pPr/>
-              <a:t>16-04-2017</a:t>
+              <a:t>17-04-2017</a:t>
             </a:fld>
             <a:endParaRPr lang="en-IN"/>
           </a:p>
@@ -4349,8 +4780,12 @@
               <a:t>	</a:t>
             </a:r>
             <a:r>
+              <a:rPr lang="en-IN" sz="3000" i="1" dirty="0" smtClean="0"/>
+              <a:t>ASE -Team </a:t>
+            </a:r>
+            <a:r>
               <a:rPr lang="en-IN" sz="3000" i="1" dirty="0" err="1" smtClean="0"/>
-              <a:t>ASETeamCoDeX</a:t>
+              <a:t>CoDeX</a:t>
             </a:r>
             <a:endParaRPr lang="en-IN" sz="3000" i="1" dirty="0"/>
           </a:p>
@@ -4368,6 +4803,10 @@
               <a:rPr lang="en-IN" sz="3000" i="1" dirty="0" smtClean="0"/>
               <a:t> </a:t>
             </a:r>
+            <a:r>
+              <a:rPr lang="en-IN" sz="3000" i="1" dirty="0" err="1" smtClean="0"/>
+              <a:t>Kasare</a:t>
+            </a:r>
             <a:endParaRPr lang="en-IN" sz="3000" i="1" dirty="0"/>
           </a:p>
           <a:p>
@@ -4380,6 +4819,10 @@
               <a:rPr lang="en-IN" sz="3000" i="1" dirty="0" err="1" smtClean="0"/>
               <a:t>Shalin</a:t>
             </a:r>
+            <a:r>
+              <a:rPr lang="en-IN" sz="3000" i="1" dirty="0" smtClean="0"/>
+              <a:t> Patel</a:t>
+            </a:r>
             <a:endParaRPr lang="en-IN" sz="3000" i="1" dirty="0"/>
           </a:p>
           <a:p>
@@ -4389,8 +4832,8 @@
               <a:t>	</a:t>
             </a:r>
             <a:r>
-              <a:rPr lang="en-IN" sz="3000" i="1" dirty="0" err="1" smtClean="0"/>
-              <a:t>Sovan</a:t>
+              <a:rPr lang="en-IN" sz="3000" i="1" dirty="0" smtClean="0"/>
+              <a:t>Sovan Ghosh</a:t>
             </a:r>
             <a:endParaRPr lang="en-IN" sz="3000" i="1" dirty="0"/>
           </a:p>
@@ -4403,6 +4846,14 @@
             <a:r>
               <a:rPr lang="en-IN" sz="3000" i="1" dirty="0" err="1" smtClean="0"/>
               <a:t>Rajarshi</a:t>
+            </a:r>
+            <a:r>
+              <a:rPr lang="en-IN" sz="3000" i="1" dirty="0" smtClean="0"/>
+              <a:t> </a:t>
+            </a:r>
+            <a:r>
+              <a:rPr lang="en-IN" sz="3000" i="1" dirty="0" err="1" smtClean="0"/>
+              <a:t>Tarafdar</a:t>
             </a:r>
             <a:endParaRPr lang="en-IN" sz="3000" i="1" dirty="0"/>
           </a:p>
@@ -4438,44 +4889,101 @@
           <a:chExt cx="0" cy="0"/>
         </a:xfrm>
       </p:grpSpPr>
-      <p:sp>
-        <p:nvSpPr>
-          <p:cNvPr id="2" name="Title 1"/>
-          <p:cNvSpPr>
-            <a:spLocks noGrp="1"/>
-          </p:cNvSpPr>
-          <p:nvPr>
-            <p:ph type="title"/>
-          </p:nvPr>
-        </p:nvSpPr>
-        <p:spPr/>
-        <p:txBody>
-          <a:bodyPr/>
-          <a:lstStyle/>
-          <a:p>
-            <a:endParaRPr lang="en-US"/>
-          </a:p>
-        </p:txBody>
-      </p:sp>
-      <p:sp>
-        <p:nvSpPr>
-          <p:cNvPr id="3" name="Content Placeholder 2"/>
-          <p:cNvSpPr>
-            <a:spLocks noGrp="1"/>
-          </p:cNvSpPr>
-          <p:nvPr>
-            <p:ph idx="1"/>
-          </p:nvPr>
-        </p:nvSpPr>
-        <p:spPr/>
-        <p:txBody>
-          <a:bodyPr/>
-          <a:lstStyle/>
-          <a:p>
-            <a:endParaRPr lang="en-US"/>
-          </a:p>
-        </p:txBody>
-      </p:sp>
+      <p:pic>
+        <p:nvPicPr>
+          <p:cNvPr id="7" name="Content Placeholder 6" descr="login_1.png"/>
+          <p:cNvPicPr>
+            <a:picLocks noGrp="1" noChangeAspect="1"/>
+          </p:cNvPicPr>
+          <p:nvPr>
+            <p:ph sz="half" idx="1"/>
+          </p:nvPr>
+        </p:nvPicPr>
+        <p:blipFill>
+          <a:blip r:embed="rId3"/>
+          <a:stretch>
+            <a:fillRect/>
+          </a:stretch>
+        </p:blipFill>
+        <p:spPr>
+          <a:xfrm>
+            <a:off x="0" y="300111"/>
+            <a:ext cx="2912012" cy="5249594"/>
+          </a:xfrm>
+        </p:spPr>
+      </p:pic>
+      <p:pic>
+        <p:nvPicPr>
+          <p:cNvPr id="8" name="Picture 7" descr="receptionist-dash.png"/>
+          <p:cNvPicPr>
+            <a:picLocks noChangeAspect="1"/>
+          </p:cNvPicPr>
+          <p:nvPr/>
+        </p:nvPicPr>
+        <p:blipFill>
+          <a:blip r:embed="rId4"/>
+          <a:stretch>
+            <a:fillRect/>
+          </a:stretch>
+        </p:blipFill>
+        <p:spPr>
+          <a:xfrm>
+            <a:off x="3034366" y="320509"/>
+            <a:ext cx="2845929" cy="5288513"/>
+          </a:xfrm>
+          <a:prstGeom prst="rect">
+            <a:avLst/>
+          </a:prstGeom>
+        </p:spPr>
+      </p:pic>
+      <p:pic>
+        <p:nvPicPr>
+          <p:cNvPr id="10" name="Picture 9" descr="patient_checkin.png"/>
+          <p:cNvPicPr>
+            <a:picLocks noChangeAspect="1"/>
+          </p:cNvPicPr>
+          <p:nvPr/>
+        </p:nvPicPr>
+        <p:blipFill>
+          <a:blip r:embed="rId5"/>
+          <a:stretch>
+            <a:fillRect/>
+          </a:stretch>
+        </p:blipFill>
+        <p:spPr>
+          <a:xfrm>
+            <a:off x="5983594" y="320284"/>
+            <a:ext cx="2953944" cy="5317099"/>
+          </a:xfrm>
+          <a:prstGeom prst="rect">
+            <a:avLst/>
+          </a:prstGeom>
+        </p:spPr>
+      </p:pic>
+      <p:pic>
+        <p:nvPicPr>
+          <p:cNvPr id="12" name="Picture 11" descr="search-patient.png"/>
+          <p:cNvPicPr>
+            <a:picLocks noChangeAspect="1"/>
+          </p:cNvPicPr>
+          <p:nvPr/>
+        </p:nvPicPr>
+        <p:blipFill>
+          <a:blip r:embed="rId6"/>
+          <a:stretch>
+            <a:fillRect/>
+          </a:stretch>
+        </p:blipFill>
+        <p:spPr>
+          <a:xfrm>
+            <a:off x="9022441" y="292149"/>
+            <a:ext cx="2925357" cy="5317099"/>
+          </a:xfrm>
+          <a:prstGeom prst="rect">
+            <a:avLst/>
+          </a:prstGeom>
+        </p:spPr>
+      </p:pic>
     </p:spTree>
   </p:cSld>
   <p:clrMapOvr>
@@ -4501,44 +5009,102 @@
           <a:chExt cx="0" cy="0"/>
         </a:xfrm>
       </p:grpSpPr>
-      <p:sp>
-        <p:nvSpPr>
-          <p:cNvPr id="2" name="Title 1"/>
-          <p:cNvSpPr>
-            <a:spLocks noGrp="1"/>
-          </p:cNvSpPr>
-          <p:nvPr>
-            <p:ph type="title"/>
-          </p:nvPr>
-        </p:nvSpPr>
-        <p:spPr/>
-        <p:txBody>
-          <a:bodyPr/>
-          <a:lstStyle/>
-          <a:p>
-            <a:endParaRPr lang="en-US"/>
-          </a:p>
-        </p:txBody>
-      </p:sp>
-      <p:sp>
-        <p:nvSpPr>
-          <p:cNvPr id="3" name="Content Placeholder 2"/>
-          <p:cNvSpPr>
-            <a:spLocks noGrp="1"/>
-          </p:cNvSpPr>
-          <p:nvPr>
-            <p:ph idx="1"/>
-          </p:nvPr>
-        </p:nvSpPr>
-        <p:spPr/>
-        <p:txBody>
-          <a:bodyPr/>
-          <a:lstStyle/>
-          <a:p>
-            <a:endParaRPr lang="en-US"/>
-          </a:p>
-        </p:txBody>
-      </p:sp>
+      <p:pic>
+        <p:nvPicPr>
+          <p:cNvPr id="7" name="Picture 6" descr="search-doctor.png"/>
+          <p:cNvPicPr>
+            <a:picLocks noChangeAspect="1"/>
+          </p:cNvPicPr>
+          <p:nvPr/>
+        </p:nvPicPr>
+        <p:blipFill>
+          <a:blip r:embed="rId2"/>
+          <a:stretch>
+            <a:fillRect/>
+          </a:stretch>
+        </p:blipFill>
+        <p:spPr>
+          <a:xfrm>
+            <a:off x="0" y="208194"/>
+            <a:ext cx="3011117" cy="5259926"/>
+          </a:xfrm>
+          <a:prstGeom prst="rect">
+            <a:avLst/>
+          </a:prstGeom>
+        </p:spPr>
+      </p:pic>
+      <p:pic>
+        <p:nvPicPr>
+          <p:cNvPr id="8" name="Picture 7" descr="appointment-creation.png"/>
+          <p:cNvPicPr>
+            <a:picLocks noChangeAspect="1"/>
+          </p:cNvPicPr>
+          <p:nvPr/>
+        </p:nvPicPr>
+        <p:blipFill>
+          <a:blip r:embed="rId3"/>
+          <a:stretch>
+            <a:fillRect/>
+          </a:stretch>
+        </p:blipFill>
+        <p:spPr>
+          <a:xfrm>
+            <a:off x="3081336" y="193675"/>
+            <a:ext cx="2906300" cy="5317099"/>
+          </a:xfrm>
+          <a:prstGeom prst="rect">
+            <a:avLst/>
+          </a:prstGeom>
+        </p:spPr>
+      </p:pic>
+      <p:pic>
+        <p:nvPicPr>
+          <p:cNvPr id="9" name="Picture 8" descr="delete-app.png"/>
+          <p:cNvPicPr>
+            <a:picLocks noChangeAspect="1"/>
+          </p:cNvPicPr>
+          <p:nvPr/>
+        </p:nvPicPr>
+        <p:blipFill>
+          <a:blip r:embed="rId4"/>
+          <a:stretch>
+            <a:fillRect/>
+          </a:stretch>
+        </p:blipFill>
+        <p:spPr>
+          <a:xfrm>
+            <a:off x="6124440" y="241566"/>
+            <a:ext cx="2981741" cy="5277587"/>
+          </a:xfrm>
+          <a:prstGeom prst="rect">
+            <a:avLst/>
+          </a:prstGeom>
+        </p:spPr>
+      </p:pic>
+      <p:pic>
+        <p:nvPicPr>
+          <p:cNvPr id="10" name="Picture 9" descr="nurse-dash.png"/>
+          <p:cNvPicPr>
+            <a:picLocks noChangeAspect="1"/>
+          </p:cNvPicPr>
+          <p:nvPr/>
+        </p:nvPicPr>
+        <p:blipFill>
+          <a:blip r:embed="rId5"/>
+          <a:stretch>
+            <a:fillRect/>
+          </a:stretch>
+        </p:blipFill>
+        <p:spPr>
+          <a:xfrm>
+            <a:off x="9190412" y="236554"/>
+            <a:ext cx="3001588" cy="5231340"/>
+          </a:xfrm>
+          <a:prstGeom prst="rect">
+            <a:avLst/>
+          </a:prstGeom>
+        </p:spPr>
+      </p:pic>
     </p:spTree>
   </p:cSld>
   <p:clrMapOvr>
@@ -4564,44 +5130,102 @@
           <a:chExt cx="0" cy="0"/>
         </a:xfrm>
       </p:grpSpPr>
-      <p:sp>
-        <p:nvSpPr>
-          <p:cNvPr id="2" name="Title 1"/>
-          <p:cNvSpPr>
-            <a:spLocks noGrp="1"/>
-          </p:cNvSpPr>
-          <p:nvPr>
-            <p:ph type="title"/>
-          </p:nvPr>
-        </p:nvSpPr>
-        <p:spPr/>
-        <p:txBody>
-          <a:bodyPr/>
-          <a:lstStyle/>
-          <a:p>
-            <a:endParaRPr lang="en-US"/>
-          </a:p>
-        </p:txBody>
-      </p:sp>
-      <p:sp>
-        <p:nvSpPr>
-          <p:cNvPr id="3" name="Content Placeholder 2"/>
-          <p:cNvSpPr>
-            <a:spLocks noGrp="1"/>
-          </p:cNvSpPr>
-          <p:nvPr>
-            <p:ph idx="1"/>
-          </p:nvPr>
-        </p:nvSpPr>
-        <p:spPr/>
-        <p:txBody>
-          <a:bodyPr/>
-          <a:lstStyle/>
-          <a:p>
-            <a:endParaRPr lang="en-US"/>
-          </a:p>
-        </p:txBody>
-      </p:sp>
+      <p:pic>
+        <p:nvPicPr>
+          <p:cNvPr id="7" name="Picture 6" descr="nurse-chekin.png"/>
+          <p:cNvPicPr>
+            <a:picLocks noChangeAspect="1"/>
+          </p:cNvPicPr>
+          <p:nvPr/>
+        </p:nvPicPr>
+        <p:blipFill>
+          <a:blip r:embed="rId2"/>
+          <a:stretch>
+            <a:fillRect/>
+          </a:stretch>
+        </p:blipFill>
+        <p:spPr>
+          <a:xfrm>
+            <a:off x="0" y="306441"/>
+            <a:ext cx="3011117" cy="5288513"/>
+          </a:xfrm>
+          <a:prstGeom prst="rect">
+            <a:avLst/>
+          </a:prstGeom>
+        </p:spPr>
+      </p:pic>
+      <p:pic>
+        <p:nvPicPr>
+          <p:cNvPr id="9" name="Picture 8" descr="doctor_2.png"/>
+          <p:cNvPicPr>
+            <a:picLocks noChangeAspect="1"/>
+          </p:cNvPicPr>
+          <p:nvPr/>
+        </p:nvPicPr>
+        <p:blipFill>
+          <a:blip r:embed="rId3"/>
+          <a:stretch>
+            <a:fillRect/>
+          </a:stretch>
+        </p:blipFill>
+        <p:spPr>
+          <a:xfrm>
+            <a:off x="3104481" y="283071"/>
+            <a:ext cx="2944415" cy="5278984"/>
+          </a:xfrm>
+          <a:prstGeom prst="rect">
+            <a:avLst/>
+          </a:prstGeom>
+        </p:spPr>
+      </p:pic>
+      <p:pic>
+        <p:nvPicPr>
+          <p:cNvPr id="10" name="Picture 9" descr="patient_history.png"/>
+          <p:cNvPicPr>
+            <a:picLocks noChangeAspect="1"/>
+          </p:cNvPicPr>
+          <p:nvPr/>
+        </p:nvPicPr>
+        <p:blipFill>
+          <a:blip r:embed="rId4"/>
+          <a:stretch>
+            <a:fillRect/>
+          </a:stretch>
+        </p:blipFill>
+        <p:spPr>
+          <a:xfrm>
+            <a:off x="6166022" y="283748"/>
+            <a:ext cx="3011117" cy="5193224"/>
+          </a:xfrm>
+          <a:prstGeom prst="rect">
+            <a:avLst/>
+          </a:prstGeom>
+        </p:spPr>
+      </p:pic>
+      <p:pic>
+        <p:nvPicPr>
+          <p:cNvPr id="12" name="Picture 11" descr="patient-info.png"/>
+          <p:cNvPicPr>
+            <a:picLocks noChangeAspect="1"/>
+          </p:cNvPicPr>
+          <p:nvPr/>
+        </p:nvPicPr>
+        <p:blipFill>
+          <a:blip r:embed="rId5"/>
+          <a:stretch>
+            <a:fillRect/>
+          </a:stretch>
+        </p:blipFill>
+        <p:spPr>
+          <a:xfrm>
+            <a:off x="9247585" y="273767"/>
+            <a:ext cx="2944415" cy="5269455"/>
+          </a:xfrm>
+          <a:prstGeom prst="rect">
+            <a:avLst/>
+          </a:prstGeom>
+        </p:spPr>
+      </p:pic>
     </p:spTree>
   </p:cSld>
   <p:clrMapOvr>
@@ -4627,49 +5251,114 @@
           <a:chExt cx="0" cy="0"/>
         </a:xfrm>
       </p:grpSpPr>
-      <p:sp>
-        <p:nvSpPr>
-          <p:cNvPr id="2" name="Title 1"/>
-          <p:cNvSpPr>
-            <a:spLocks noGrp="1"/>
-          </p:cNvSpPr>
-          <p:nvPr>
-            <p:ph type="title"/>
-          </p:nvPr>
-        </p:nvSpPr>
-        <p:spPr/>
-        <p:txBody>
-          <a:bodyPr/>
-          <a:lstStyle/>
-          <a:p>
-            <a:endParaRPr lang="en-US"/>
-          </a:p>
-        </p:txBody>
-      </p:sp>
-      <p:sp>
-        <p:nvSpPr>
-          <p:cNvPr id="3" name="Content Placeholder 2"/>
-          <p:cNvSpPr>
-            <a:spLocks noGrp="1"/>
-          </p:cNvSpPr>
-          <p:nvPr>
-            <p:ph idx="1"/>
-          </p:nvPr>
-        </p:nvSpPr>
-        <p:spPr/>
-        <p:txBody>
-          <a:bodyPr/>
-          <a:lstStyle/>
-          <a:p>
-            <a:endParaRPr lang="en-US"/>
-          </a:p>
-        </p:txBody>
-      </p:sp>
+      <p:pic>
+        <p:nvPicPr>
+          <p:cNvPr id="7" name="Picture 6" descr="doctor-patient-report.png"/>
+          <p:cNvPicPr>
+            <a:picLocks noChangeAspect="1"/>
+          </p:cNvPicPr>
+          <p:nvPr/>
+        </p:nvPicPr>
+        <p:blipFill>
+          <a:blip r:embed="rId2"/>
+          <a:stretch>
+            <a:fillRect/>
+          </a:stretch>
+        </p:blipFill>
+        <p:spPr>
+          <a:xfrm>
+            <a:off x="0" y="438040"/>
+            <a:ext cx="2973002" cy="5250397"/>
+          </a:xfrm>
+          <a:prstGeom prst="rect">
+            <a:avLst/>
+          </a:prstGeom>
+        </p:spPr>
+      </p:pic>
+      <p:pic>
+        <p:nvPicPr>
+          <p:cNvPr id="8" name="Picture 7" descr="dcotor-appoitment.png"/>
+          <p:cNvPicPr>
+            <a:picLocks noChangeAspect="1"/>
+          </p:cNvPicPr>
+          <p:nvPr/>
+        </p:nvPicPr>
+        <p:blipFill>
+          <a:blip r:embed="rId3"/>
+          <a:stretch>
+            <a:fillRect/>
+          </a:stretch>
+        </p:blipFill>
+        <p:spPr>
+          <a:xfrm>
+            <a:off x="3071751" y="433974"/>
+            <a:ext cx="2981741" cy="5258534"/>
+          </a:xfrm>
+          <a:prstGeom prst="rect">
+            <a:avLst/>
+          </a:prstGeom>
+        </p:spPr>
+      </p:pic>
+      <p:pic>
+        <p:nvPicPr>
+          <p:cNvPr id="12" name="Picture 11" descr="paitent-info.png"/>
+          <p:cNvPicPr>
+            <a:picLocks noChangeAspect="1"/>
+          </p:cNvPicPr>
+          <p:nvPr/>
+        </p:nvPicPr>
+        <p:blipFill>
+          <a:blip r:embed="rId4"/>
+          <a:stretch>
+            <a:fillRect/>
+          </a:stretch>
+        </p:blipFill>
+        <p:spPr>
+          <a:xfrm>
+            <a:off x="6194557" y="410157"/>
+            <a:ext cx="3010320" cy="5306166"/>
+          </a:xfrm>
+          <a:prstGeom prst="rect">
+            <a:avLst/>
+          </a:prstGeom>
+        </p:spPr>
+      </p:pic>
+      <p:pic>
+        <p:nvPicPr>
+          <p:cNvPr id="13" name="Picture 12" descr="patient-report.png"/>
+          <p:cNvPicPr>
+            <a:picLocks noChangeAspect="1"/>
+          </p:cNvPicPr>
+          <p:nvPr/>
+        </p:nvPicPr>
+        <p:blipFill>
+          <a:blip r:embed="rId5"/>
+          <a:stretch>
+            <a:fillRect/>
+          </a:stretch>
+        </p:blipFill>
+        <p:spPr>
+          <a:xfrm>
+            <a:off x="9218998" y="405141"/>
+            <a:ext cx="2973002" cy="5259926"/>
+          </a:xfrm>
+          <a:prstGeom prst="rect">
+            <a:avLst/>
+          </a:prstGeom>
+        </p:spPr>
+      </p:pic>
     </p:spTree>
   </p:cSld>
   <p:clrMapOvr>
     <a:masterClrMapping/>
   </p:clrMapOvr>
+  <p:timing>
+    <p:tnLst>
+      <p:par>
+        <p:cTn id="1" dur="indefinite" restart="never" nodeType="tmRoot"/>
+      </p:par>
+    </p:tnLst>
+  </p:timing>
 </p:sld>
 </file>
 
@@ -4994,4 +5683,287 @@
   <a:objectDefaults/>
   <a:extraClrSchemeLst/>
 </a:theme>
+</file>
+
+<file path=ppt/theme/theme2.xml><?xml version="1.0" encoding="utf-8"?>
+<a:theme xmlns:a="http://schemas.openxmlformats.org/drawingml/2006/main" name="Office Theme">
+  <a:themeElements>
+    <a:clrScheme name="Office">
+      <a:dk1>
+        <a:sysClr val="windowText" lastClr="000000"/>
+      </a:dk1>
+      <a:lt1>
+        <a:sysClr val="window" lastClr="FFFFFF"/>
+      </a:lt1>
+      <a:dk2>
+        <a:srgbClr val="1F497D"/>
+      </a:dk2>
+      <a:lt2>
+        <a:srgbClr val="EEECE1"/>
+      </a:lt2>
+      <a:accent1>
+        <a:srgbClr val="4F81BD"/>
+      </a:accent1>
+      <a:accent2>
+        <a:srgbClr val="C0504D"/>
+      </a:accent2>
+      <a:accent3>
+        <a:srgbClr val="9BBB59"/>
+      </a:accent3>
+      <a:accent4>
+        <a:srgbClr val="8064A2"/>
+      </a:accent4>
+      <a:accent5>
+        <a:srgbClr val="4BACC6"/>
+      </a:accent5>
+      <a:accent6>
+        <a:srgbClr val="F79646"/>
+      </a:accent6>
+      <a:hlink>
+        <a:srgbClr val="0000FF"/>
+      </a:hlink>
+      <a:folHlink>
+        <a:srgbClr val="800080"/>
+      </a:folHlink>
+    </a:clrScheme>
+    <a:fontScheme name="Office">
+      <a:majorFont>
+        <a:latin typeface="Calibri"/>
+        <a:ea typeface=""/>
+        <a:cs typeface=""/>
+        <a:font script="Jpan" typeface="ＭＳ Ｐゴシック"/>
+        <a:font script="Hang" typeface="맑은 고딕"/>
+        <a:font script="Hans" typeface="宋体"/>
+        <a:font script="Hant" typeface="新細明體"/>
+        <a:font script="Arab" typeface="Times New Roman"/>
+        <a:font script="Hebr" typeface="Times New Roman"/>
+        <a:font script="Thai" typeface="Angsana New"/>
+        <a:font script="Ethi" typeface="Nyala"/>
+        <a:font script="Beng" typeface="Vrinda"/>
+        <a:font script="Gujr" typeface="Shruti"/>
+        <a:font script="Khmr" typeface="MoolBoran"/>
+        <a:font script="Knda" typeface="Tunga"/>
+        <a:font script="Guru" typeface="Raavi"/>
+        <a:font script="Cans" typeface="Euphemia"/>
+        <a:font script="Cher" typeface="Plantagenet Cherokee"/>
+        <a:font script="Yiii" typeface="Microsoft Yi Baiti"/>
+        <a:font script="Tibt" typeface="Microsoft Himalaya"/>
+        <a:font script="Thaa" typeface="MV Boli"/>
+        <a:font script="Deva" typeface="Mangal"/>
+        <a:font script="Telu" typeface="Gautami"/>
+        <a:font script="Taml" typeface="Latha"/>
+        <a:font script="Syrc" typeface="Estrangelo Edessa"/>
+        <a:font script="Orya" typeface="Kalinga"/>
+        <a:font script="Mlym" typeface="Kartika"/>
+        <a:font script="Laoo" typeface="DokChampa"/>
+        <a:font script="Sinh" typeface="Iskoola Pota"/>
+        <a:font script="Mong" typeface="Mongolian Baiti"/>
+        <a:font script="Viet" typeface="Times New Roman"/>
+        <a:font script="Uigh" typeface="Microsoft Uighur"/>
+      </a:majorFont>
+      <a:minorFont>
+        <a:latin typeface="Calibri"/>
+        <a:ea typeface=""/>
+        <a:cs typeface=""/>
+        <a:font script="Jpan" typeface="ＭＳ Ｐゴシック"/>
+        <a:font script="Hang" typeface="맑은 고딕"/>
+        <a:font script="Hans" typeface="宋体"/>
+        <a:font script="Hant" typeface="新細明體"/>
+        <a:font script="Arab" typeface="Arial"/>
+        <a:font script="Hebr" typeface="Arial"/>
+        <a:font script="Thai" typeface="Cordia New"/>
+        <a:font script="Ethi" typeface="Nyala"/>
+        <a:font script="Beng" typeface="Vrinda"/>
+        <a:font script="Gujr" typeface="Shruti"/>
+        <a:font script="Khmr" typeface="DaunPenh"/>
+        <a:font script="Knda" typeface="Tunga"/>
+        <a:font script="Guru" typeface="Raavi"/>
+        <a:font script="Cans" typeface="Euphemia"/>
+        <a:font script="Cher" typeface="Plantagenet Cherokee"/>
+        <a:font script="Yiii" typeface="Microsoft Yi Baiti"/>
+        <a:font script="Tibt" typeface="Microsoft Himalaya"/>
+        <a:font script="Thaa" typeface="MV Boli"/>
+        <a:font script="Deva" typeface="Mangal"/>
+        <a:font script="Telu" typeface="Gautami"/>
+        <a:font script="Taml" typeface="Latha"/>
+        <a:font script="Syrc" typeface="Estrangelo Edessa"/>
+        <a:font script="Orya" typeface="Kalinga"/>
+        <a:font script="Mlym" typeface="Kartika"/>
+        <a:font script="Laoo" typeface="DokChampa"/>
+        <a:font script="Sinh" typeface="Iskoola Pota"/>
+        <a:font script="Mong" typeface="Mongolian Baiti"/>
+        <a:font script="Viet" typeface="Arial"/>
+        <a:font script="Uigh" typeface="Microsoft Uighur"/>
+      </a:minorFont>
+    </a:fontScheme>
+    <a:fmtScheme name="Office">
+      <a:fillStyleLst>
+        <a:solidFill>
+          <a:schemeClr val="phClr"/>
+        </a:solidFill>
+        <a:gradFill rotWithShape="1">
+          <a:gsLst>
+            <a:gs pos="0">
+              <a:schemeClr val="phClr">
+                <a:tint val="50000"/>
+                <a:satMod val="300000"/>
+              </a:schemeClr>
+            </a:gs>
+            <a:gs pos="35000">
+              <a:schemeClr val="phClr">
+                <a:tint val="37000"/>
+                <a:satMod val="300000"/>
+              </a:schemeClr>
+            </a:gs>
+            <a:gs pos="100000">
+              <a:schemeClr val="phClr">
+                <a:tint val="15000"/>
+                <a:satMod val="350000"/>
+              </a:schemeClr>
+            </a:gs>
+          </a:gsLst>
+          <a:lin ang="16200000" scaled="1"/>
+        </a:gradFill>
+        <a:gradFill rotWithShape="1">
+          <a:gsLst>
+            <a:gs pos="0">
+              <a:schemeClr val="phClr">
+                <a:shade val="51000"/>
+                <a:satMod val="130000"/>
+              </a:schemeClr>
+            </a:gs>
+            <a:gs pos="80000">
+              <a:schemeClr val="phClr">
+                <a:shade val="93000"/>
+                <a:satMod val="130000"/>
+              </a:schemeClr>
+            </a:gs>
+            <a:gs pos="100000">
+              <a:schemeClr val="phClr">
+                <a:shade val="94000"/>
+                <a:satMod val="135000"/>
+              </a:schemeClr>
+            </a:gs>
+          </a:gsLst>
+          <a:lin ang="16200000" scaled="0"/>
+        </a:gradFill>
+      </a:fillStyleLst>
+      <a:lnStyleLst>
+        <a:ln w="9525" cap="flat" cmpd="sng" algn="ctr">
+          <a:solidFill>
+            <a:schemeClr val="phClr">
+              <a:shade val="95000"/>
+              <a:satMod val="105000"/>
+            </a:schemeClr>
+          </a:solidFill>
+          <a:prstDash val="solid"/>
+        </a:ln>
+        <a:ln w="25400" cap="flat" cmpd="sng" algn="ctr">
+          <a:solidFill>
+            <a:schemeClr val="phClr"/>
+          </a:solidFill>
+          <a:prstDash val="solid"/>
+        </a:ln>
+        <a:ln w="38100" cap="flat" cmpd="sng" algn="ctr">
+          <a:solidFill>
+            <a:schemeClr val="phClr"/>
+          </a:solidFill>
+          <a:prstDash val="solid"/>
+        </a:ln>
+      </a:lnStyleLst>
+      <a:effectStyleLst>
+        <a:effectStyle>
+          <a:effectLst>
+            <a:outerShdw blurRad="40000" dist="20000" dir="5400000" rotWithShape="0">
+              <a:srgbClr val="000000">
+                <a:alpha val="38000"/>
+              </a:srgbClr>
+            </a:outerShdw>
+          </a:effectLst>
+        </a:effectStyle>
+        <a:effectStyle>
+          <a:effectLst>
+            <a:outerShdw blurRad="40000" dist="23000" dir="5400000" rotWithShape="0">
+              <a:srgbClr val="000000">
+                <a:alpha val="35000"/>
+              </a:srgbClr>
+            </a:outerShdw>
+          </a:effectLst>
+        </a:effectStyle>
+        <a:effectStyle>
+          <a:effectLst>
+            <a:outerShdw blurRad="40000" dist="23000" dir="5400000" rotWithShape="0">
+              <a:srgbClr val="000000">
+                <a:alpha val="35000"/>
+              </a:srgbClr>
+            </a:outerShdw>
+          </a:effectLst>
+          <a:scene3d>
+            <a:camera prst="orthographicFront">
+              <a:rot lat="0" lon="0" rev="0"/>
+            </a:camera>
+            <a:lightRig rig="threePt" dir="t">
+              <a:rot lat="0" lon="0" rev="1200000"/>
+            </a:lightRig>
+          </a:scene3d>
+          <a:sp3d>
+            <a:bevelT w="63500" h="25400"/>
+          </a:sp3d>
+        </a:effectStyle>
+      </a:effectStyleLst>
+      <a:bgFillStyleLst>
+        <a:solidFill>
+          <a:schemeClr val="phClr"/>
+        </a:solidFill>
+        <a:gradFill rotWithShape="1">
+          <a:gsLst>
+            <a:gs pos="0">
+              <a:schemeClr val="phClr">
+                <a:tint val="40000"/>
+                <a:satMod val="350000"/>
+              </a:schemeClr>
+            </a:gs>
+            <a:gs pos="40000">
+              <a:schemeClr val="phClr">
+                <a:tint val="45000"/>
+                <a:shade val="99000"/>
+                <a:satMod val="350000"/>
+              </a:schemeClr>
+            </a:gs>
+            <a:gs pos="100000">
+              <a:schemeClr val="phClr">
+                <a:shade val="20000"/>
+                <a:satMod val="255000"/>
+              </a:schemeClr>
+            </a:gs>
+          </a:gsLst>
+          <a:path path="circle">
+            <a:fillToRect l="50000" t="-80000" r="50000" b="180000"/>
+          </a:path>
+        </a:gradFill>
+        <a:gradFill rotWithShape="1">
+          <a:gsLst>
+            <a:gs pos="0">
+              <a:schemeClr val="phClr">
+                <a:tint val="80000"/>
+                <a:satMod val="300000"/>
+              </a:schemeClr>
+            </a:gs>
+            <a:gs pos="100000">
+              <a:schemeClr val="phClr">
+                <a:shade val="30000"/>
+                <a:satMod val="200000"/>
+              </a:schemeClr>
+            </a:gs>
+          </a:gsLst>
+          <a:path path="circle">
+            <a:fillToRect l="50000" t="50000" r="50000" b="50000"/>
+          </a:path>
+        </a:gradFill>
+      </a:bgFillStyleLst>
+    </a:fmtScheme>
+  </a:themeElements>
+  <a:objectDefaults/>
+  <a:extraClrSchemeLst/>
+</a:theme>
 </file>